--- a/Data Science capstone - Battle of Neighbourhoods.pptx
+++ b/Data Science capstone - Battle of Neighbourhoods.pptx
@@ -19,7 +19,9 @@
     <p:sldId id="267" r:id="rId13"/>
     <p:sldId id="268" r:id="rId14"/>
     <p:sldId id="269" r:id="rId15"/>
-    <p:sldId id="271" r:id="rId16"/>
+    <p:sldId id="272" r:id="rId16"/>
+    <p:sldId id="273" r:id="rId17"/>
+    <p:sldId id="274" r:id="rId18"/>
   </p:sldIdLst>
   <p:sldSz cx="9144000" cy="6858000" type="screen4x3"/>
   <p:notesSz cx="6858000" cy="9144000"/>
@@ -4079,11 +4081,7 @@
             </a:pPr>
             <a:r>
               <a:rPr lang="en-IN" sz="1600" dirty="0" smtClean="0"/>
-              <a:t>Toronto has more population of White than </a:t>
-            </a:r>
-            <a:r>
-              <a:rPr lang="en-IN" sz="1600" dirty="0" smtClean="0"/>
-              <a:t>Manhattan</a:t>
+              <a:t>Toronto has more population of White than Manhattan</a:t>
             </a:r>
           </a:p>
           <a:p>
@@ -4100,11 +4098,7 @@
             </a:pPr>
             <a:r>
               <a:rPr lang="en-IN" sz="1600" dirty="0" smtClean="0"/>
-              <a:t>Toronto has Chinese population where as Manhattan has Hispanic </a:t>
-            </a:r>
-            <a:r>
-              <a:rPr lang="en-IN" sz="1600" dirty="0" smtClean="0"/>
-              <a:t>population</a:t>
+              <a:t>Toronto has Chinese population where as Manhattan has Hispanic population</a:t>
             </a:r>
           </a:p>
           <a:p>
@@ -4121,13 +4115,8 @@
             </a:pPr>
             <a:r>
               <a:rPr lang="en-IN" sz="1600" dirty="0" smtClean="0"/>
-              <a:t>Toronto has comparatively less population of Asian and Black than </a:t>
-            </a:r>
-            <a:r>
-              <a:rPr lang="en-IN" sz="1600" dirty="0" smtClean="0"/>
-              <a:t>Manhattan</a:t>
-            </a:r>
-            <a:endParaRPr lang="en-IN" sz="1600" dirty="0" smtClean="0"/>
+              <a:t>Toronto has comparatively less population of Asian and Black than Manhattan</a:t>
+            </a:r>
           </a:p>
           <a:p>
             <a:pPr lvl="0">
@@ -4440,15 +4429,7 @@
             </a:pPr>
             <a:r>
               <a:rPr lang="en-IN" sz="1600" dirty="0" smtClean="0"/>
-              <a:t>  Ice </a:t>
-            </a:r>
-            <a:r>
-              <a:rPr lang="en-IN" sz="1600" dirty="0" smtClean="0"/>
-              <a:t>Cream </a:t>
-            </a:r>
-            <a:r>
-              <a:rPr lang="en-IN" sz="1600" dirty="0" smtClean="0"/>
-              <a:t>Shop</a:t>
+              <a:t>  Ice Cream Shop</a:t>
             </a:r>
           </a:p>
           <a:p>
@@ -4625,15 +4606,7 @@
             </a:pPr>
             <a:r>
               <a:rPr lang="en-IN" sz="1600" dirty="0" smtClean="0"/>
-              <a:t> Distance </a:t>
-            </a:r>
-            <a:r>
-              <a:rPr lang="en-IN" sz="1600" dirty="0" smtClean="0"/>
-              <a:t>and most common places of Toronto are negatively </a:t>
-            </a:r>
-            <a:r>
-              <a:rPr lang="en-IN" sz="1600" dirty="0" smtClean="0"/>
-              <a:t>correlated</a:t>
+              <a:t> Distance and most common places of Toronto are negatively correlated</a:t>
             </a:r>
           </a:p>
           <a:p>
@@ -4650,11 +4623,7 @@
             </a:pPr>
             <a:r>
               <a:rPr lang="en-IN" sz="1600" dirty="0" smtClean="0"/>
-              <a:t> Common </a:t>
-            </a:r>
-            <a:r>
-              <a:rPr lang="en-IN" sz="1600" dirty="0" smtClean="0"/>
-              <a:t>places are getting reduced when we go far from </a:t>
+              <a:t> Common places are getting reduced when we go far from </a:t>
             </a:r>
             <a:r>
               <a:rPr lang="en-IN" sz="1600" dirty="0" err="1" smtClean="0"/>
@@ -4662,11 +4631,7 @@
             </a:r>
             <a:r>
               <a:rPr lang="en-IN" sz="1600" dirty="0" smtClean="0"/>
-              <a:t> </a:t>
-            </a:r>
-            <a:r>
-              <a:rPr lang="en-IN" sz="1600" dirty="0" smtClean="0"/>
-              <a:t>Square</a:t>
+              <a:t> Square</a:t>
             </a:r>
           </a:p>
           <a:p>
@@ -4764,11 +4729,7 @@
           <a:p>
             <a:r>
               <a:rPr lang="en-IN" b="1" dirty="0" smtClean="0"/>
-              <a:t>Distance </a:t>
-            </a:r>
-            <a:r>
-              <a:rPr lang="en-IN" b="1" dirty="0" smtClean="0"/>
-              <a:t>between City Centre and Common Venues</a:t>
+              <a:t>Distance between City Centre and Common Venues</a:t>
             </a:r>
             <a:endParaRPr lang="en-IN" dirty="0"/>
           </a:p>
@@ -4909,11 +4870,7 @@
             </a:pPr>
             <a:r>
               <a:rPr lang="en-IN" sz="1600" dirty="0" smtClean="0"/>
-              <a:t> Within </a:t>
-            </a:r>
-            <a:r>
-              <a:rPr lang="en-IN" sz="1600" dirty="0" smtClean="0"/>
-              <a:t>2 </a:t>
+              <a:t> Within 2 </a:t>
             </a:r>
             <a:r>
               <a:rPr lang="en-IN" sz="1600" dirty="0" err="1" smtClean="0"/>
@@ -4929,11 +4886,7 @@
             </a:r>
             <a:r>
               <a:rPr lang="en-IN" sz="1600" dirty="0" smtClean="0"/>
-              <a:t> Square </a:t>
-            </a:r>
-            <a:r>
-              <a:rPr lang="en-IN" sz="1600" dirty="0" smtClean="0"/>
-              <a:t>or</a:t>
+              <a:t> Square or</a:t>
             </a:r>
           </a:p>
           <a:p>
@@ -4950,15 +4903,7 @@
             </a:pPr>
             <a:r>
               <a:rPr lang="en-IN" sz="1600" dirty="0" smtClean="0"/>
-              <a:t> </a:t>
-            </a:r>
-            <a:r>
-              <a:rPr lang="en-IN" sz="1600" dirty="0" smtClean="0"/>
-              <a:t>Between </a:t>
-            </a:r>
-            <a:r>
-              <a:rPr lang="en-IN" sz="1600" dirty="0" smtClean="0"/>
-              <a:t>4 km to 6 km of </a:t>
+              <a:t> Between 4 km to 6 km of </a:t>
             </a:r>
             <a:r>
               <a:rPr lang="en-IN" sz="1600" dirty="0" err="1" smtClean="0"/>
@@ -5201,11 +5146,7 @@
             </a:pPr>
             <a:r>
               <a:rPr lang="en-IN" sz="1600" dirty="0" smtClean="0"/>
-              <a:t>  This </a:t>
-            </a:r>
-            <a:r>
-              <a:rPr lang="en-IN" sz="1600" dirty="0" smtClean="0"/>
-              <a:t>explains us that all the venues located between 4 – 6 </a:t>
+              <a:t>  This explains us that all the venues located between 4 – 6 </a:t>
             </a:r>
             <a:r>
               <a:rPr lang="en-IN" sz="1600" dirty="0" err="1" smtClean="0"/>
@@ -5213,13 +5154,8 @@
             </a:r>
             <a:r>
               <a:rPr lang="en-IN" sz="1600" dirty="0" smtClean="0"/>
-              <a:t> </a:t>
-            </a:r>
-            <a:r>
-              <a:rPr lang="en-IN" sz="1600" dirty="0" smtClean="0"/>
-              <a:t>are scattered around </a:t>
-            </a:r>
-            <a:endParaRPr lang="en-IN" sz="1600" dirty="0" smtClean="0"/>
+              <a:t> are scattered around </a:t>
+            </a:r>
           </a:p>
           <a:p>
             <a:pPr lvl="0">
@@ -5235,15 +5171,7 @@
             </a:pPr>
             <a:r>
               <a:rPr lang="en-IN" sz="1600" dirty="0" smtClean="0"/>
-              <a:t> </a:t>
-            </a:r>
-            <a:r>
-              <a:rPr lang="en-IN" sz="1600" dirty="0" smtClean="0"/>
-              <a:t> Best </a:t>
-            </a:r>
-            <a:r>
-              <a:rPr lang="en-IN" sz="1600" dirty="0" smtClean="0"/>
-              <a:t>place to start the identified business is within 2kms of </a:t>
+              <a:t>  Best place to start the identified business is within 2kms of </a:t>
             </a:r>
             <a:r>
               <a:rPr lang="en-IN" sz="1600" dirty="0" err="1" smtClean="0"/>
@@ -5434,7 +5362,7 @@
                   <a:schemeClr val="tx1"/>
                 </a:solidFill>
               </a:rPr>
-              <a:t>Optimal Location for Business</a:t>
+              <a:t>Discussion</a:t>
             </a:r>
             <a:endParaRPr lang="en-IN" dirty="0">
               <a:solidFill>
@@ -5454,8 +5382,8 @@
         </p:nvSpPr>
         <p:spPr>
           <a:xfrm>
-            <a:off x="381000" y="4800600"/>
-            <a:ext cx="8153400" cy="2286000"/>
+            <a:off x="609600" y="2209800"/>
+            <a:ext cx="8153400" cy="3657600"/>
           </a:xfrm>
           <a:prstGeom prst="rect">
             <a:avLst/>
@@ -5486,64 +5414,125 @@
             </a:pPr>
             <a:r>
               <a:rPr lang="en-IN" sz="1600" dirty="0" smtClean="0"/>
-              <a:t>  This </a:t>
-            </a:r>
-            <a:r>
-              <a:rPr lang="en-IN" sz="1600" dirty="0" smtClean="0"/>
-              <a:t>explains us that all the venues located between 4 – 6 </a:t>
+              <a:t>  </a:t>
+            </a:r>
+            <a:r>
+              <a:rPr lang="en-IN" sz="1600" dirty="0" smtClean="0"/>
+              <a:t>Pharmacy </a:t>
+            </a:r>
+            <a:r>
+              <a:rPr lang="en-IN" sz="1600" dirty="0" smtClean="0"/>
+              <a:t>is one </a:t>
+            </a:r>
+            <a:r>
+              <a:rPr lang="en-IN" sz="1600" dirty="0" smtClean="0"/>
+              <a:t>of the good businesses to start with  in </a:t>
+            </a:r>
+            <a:r>
+              <a:rPr lang="en-IN" sz="1600" dirty="0" smtClean="0"/>
+              <a:t>Toronto</a:t>
+            </a:r>
+          </a:p>
+          <a:p>
+            <a:pPr lvl="0">
+              <a:buFont typeface="Wingdings" pitchFamily="2" charset="2"/>
+              <a:buChar char="Ø"/>
+            </a:pPr>
+            <a:endParaRPr lang="en-IN" sz="1600" dirty="0" smtClean="0"/>
+          </a:p>
+          <a:p>
+            <a:pPr lvl="0">
+              <a:buFont typeface="Wingdings" pitchFamily="2" charset="2"/>
+              <a:buChar char="Ø"/>
+            </a:pPr>
+            <a:r>
+              <a:rPr lang="en-IN" sz="1600" dirty="0" smtClean="0"/>
+              <a:t>  </a:t>
+            </a:r>
+            <a:r>
+              <a:rPr lang="en-IN" sz="1600" dirty="0" smtClean="0"/>
+              <a:t>We have lot of medical centres and Hospitals in the region but we have very less number of </a:t>
+            </a:r>
+            <a:r>
+              <a:rPr lang="en-IN" sz="1600" dirty="0" smtClean="0"/>
+              <a:t>pharmacies</a:t>
+            </a:r>
+          </a:p>
+          <a:p>
+            <a:pPr lvl="0"/>
+            <a:r>
+              <a:rPr lang="en-IN" sz="1600" dirty="0" smtClean="0"/>
+              <a:t> </a:t>
+            </a:r>
+            <a:endParaRPr lang="en-IN" sz="1600" dirty="0" smtClean="0"/>
+          </a:p>
+          <a:p>
+            <a:pPr lvl="0">
+              <a:buFont typeface="Wingdings" pitchFamily="2" charset="2"/>
+              <a:buChar char="Ø"/>
+            </a:pPr>
+            <a:r>
+              <a:rPr lang="en-IN" sz="1600" dirty="0" smtClean="0"/>
+              <a:t> </a:t>
+            </a:r>
+            <a:r>
+              <a:rPr lang="en-IN" sz="1600" dirty="0" smtClean="0"/>
+              <a:t> Recommended Donut, Ice cream, Games parlour to attract kids and young family</a:t>
+            </a:r>
+          </a:p>
+          <a:p>
+            <a:pPr lvl="0">
+              <a:buFont typeface="Wingdings" pitchFamily="2" charset="2"/>
+              <a:buChar char="Ø"/>
+            </a:pPr>
+            <a:endParaRPr lang="en-IN" sz="1600" dirty="0" smtClean="0"/>
+          </a:p>
+          <a:p>
+            <a:pPr lvl="0">
+              <a:buFont typeface="Wingdings" pitchFamily="2" charset="2"/>
+              <a:buChar char="Ø"/>
+            </a:pPr>
+            <a:r>
+              <a:rPr lang="en-IN" sz="1600" dirty="0" smtClean="0"/>
+              <a:t>  Mexican, Chinese restaurant and food delivery to attract families</a:t>
+            </a:r>
+          </a:p>
+          <a:p>
+            <a:pPr lvl="0">
+              <a:buFont typeface="Wingdings" pitchFamily="2" charset="2"/>
+              <a:buChar char="Ø"/>
+            </a:pPr>
+            <a:endParaRPr lang="en-IN" sz="1600" dirty="0" smtClean="0"/>
+          </a:p>
+          <a:p>
+            <a:pPr lvl="0">
+              <a:buFont typeface="Wingdings" pitchFamily="2" charset="2"/>
+              <a:buChar char="Ø"/>
+            </a:pPr>
+            <a:r>
+              <a:rPr lang="en-IN" sz="1600" dirty="0" smtClean="0"/>
+              <a:t> Best business for </a:t>
             </a:r>
             <a:r>
               <a:rPr lang="en-IN" sz="1600" dirty="0" err="1" smtClean="0"/>
-              <a:t>kms</a:t>
-            </a:r>
-            <a:r>
-              <a:rPr lang="en-IN" sz="1600" dirty="0" smtClean="0"/>
-              <a:t> </a:t>
-            </a:r>
-            <a:r>
-              <a:rPr lang="en-IN" sz="1600" dirty="0" smtClean="0"/>
-              <a:t>are scattered around </a:t>
-            </a:r>
-            <a:endParaRPr lang="en-IN" sz="1600" dirty="0" smtClean="0"/>
-          </a:p>
-          <a:p>
-            <a:pPr lvl="0">
-              <a:buFont typeface="Wingdings" pitchFamily="2" charset="2"/>
-              <a:buChar char="Ø"/>
-            </a:pPr>
-            <a:endParaRPr lang="en-IN" sz="1600" dirty="0" smtClean="0"/>
-          </a:p>
-          <a:p>
-            <a:pPr lvl="0">
-              <a:buFont typeface="Wingdings" pitchFamily="2" charset="2"/>
-              <a:buChar char="Ø"/>
-            </a:pPr>
-            <a:r>
-              <a:rPr lang="en-IN" sz="1600" dirty="0" smtClean="0"/>
-              <a:t> </a:t>
-            </a:r>
-            <a:r>
-              <a:rPr lang="en-IN" sz="1600" dirty="0" smtClean="0"/>
-              <a:t> Best </a:t>
-            </a:r>
-            <a:r>
-              <a:rPr lang="en-IN" sz="1600" dirty="0" smtClean="0"/>
-              <a:t>place to start the identified business is within 2kms of </a:t>
-            </a:r>
-            <a:r>
-              <a:rPr lang="en-IN" sz="1600" dirty="0" err="1" smtClean="0"/>
-              <a:t>Yonge-Dundas</a:t>
-            </a:r>
-            <a:r>
-              <a:rPr lang="en-IN" sz="1600" dirty="0" smtClean="0"/>
-              <a:t> Square</a:t>
-            </a:r>
-          </a:p>
-          <a:p>
-            <a:pPr lvl="0">
-              <a:buFont typeface="Wingdings" pitchFamily="2" charset="2"/>
-              <a:buChar char="Ø"/>
-            </a:pPr>
+              <a:t>NxtFut</a:t>
+            </a:r>
+            <a:r>
+              <a:rPr lang="en-IN" sz="1600" dirty="0" smtClean="0"/>
+              <a:t> customer is Food complex that hold </a:t>
+            </a:r>
+            <a:r>
+              <a:rPr lang="en-IN" sz="1600" dirty="0" smtClean="0"/>
+              <a:t>both restaurants, </a:t>
+            </a:r>
+            <a:r>
+              <a:rPr lang="en-IN" sz="1600" dirty="0" smtClean="0"/>
+              <a:t>Donut, Ice cream, Games </a:t>
+            </a:r>
+            <a:r>
+              <a:rPr lang="en-IN" sz="1600" dirty="0" smtClean="0"/>
+              <a:t>parlours</a:t>
+            </a:r>
             <a:endParaRPr lang="en-IN" sz="1600" dirty="0" smtClean="0"/>
           </a:p>
           <a:p>
@@ -5636,36 +5625,561 @@
           </a:p>
         </p:txBody>
       </p:sp>
-      <p:pic>
-        <p:nvPicPr>
-          <p:cNvPr id="6" name="Picture 5" descr="C:\Users\Jey\Desktop\Data Science\final\through_out_kms.jpg"/>
-          <p:cNvPicPr/>
+    </p:spTree>
+  </p:cSld>
+  <p:clrMapOvr>
+    <a:masterClrMapping/>
+  </p:clrMapOvr>
+  <p:timing>
+    <p:tnLst>
+      <p:par>
+        <p:cTn id="1" dur="indefinite" restart="never" nodeType="tmRoot"/>
+      </p:par>
+    </p:tnLst>
+  </p:timing>
+</p:sld>
+</file>
+
+<file path=ppt/slides/slide16.xml><?xml version="1.0" encoding="utf-8"?>
+<p:sld xmlns:a="http://schemas.openxmlformats.org/drawingml/2006/main" xmlns:r="http://schemas.openxmlformats.org/officeDocument/2006/relationships" xmlns:p="http://schemas.openxmlformats.org/presentationml/2006/main">
+  <p:cSld>
+    <p:spTree>
+      <p:nvGrpSpPr>
+        <p:cNvPr id="1" name=""/>
+        <p:cNvGrpSpPr/>
+        <p:nvPr/>
+      </p:nvGrpSpPr>
+      <p:grpSpPr>
+        <a:xfrm>
+          <a:off x="0" y="0"/>
+          <a:ext cx="0" cy="0"/>
+          <a:chOff x="0" y="0"/>
+          <a:chExt cx="0" cy="0"/>
+        </a:xfrm>
+      </p:grpSpPr>
+      <p:sp>
+        <p:nvSpPr>
+          <p:cNvPr id="2" name="Title 1"/>
+          <p:cNvSpPr>
+            <a:spLocks noGrp="1"/>
+          </p:cNvSpPr>
+          <p:nvPr>
+            <p:ph type="title"/>
+          </p:nvPr>
+        </p:nvSpPr>
+        <p:spPr/>
+        <p:txBody>
+          <a:bodyPr/>
+          <a:lstStyle/>
+          <a:p>
+            <a:r>
+              <a:rPr lang="en-IN" dirty="0" smtClean="0">
+                <a:solidFill>
+                  <a:schemeClr val="tx1"/>
+                </a:solidFill>
+              </a:rPr>
+              <a:t>Future Action</a:t>
+            </a:r>
+            <a:endParaRPr lang="en-IN" dirty="0">
+              <a:solidFill>
+                <a:schemeClr val="tx1"/>
+              </a:solidFill>
+            </a:endParaRPr>
+          </a:p>
+        </p:txBody>
+      </p:sp>
+      <p:sp>
+        <p:nvSpPr>
+          <p:cNvPr id="4" name="Title 1"/>
+          <p:cNvSpPr txBox="1">
+            <a:spLocks/>
+          </p:cNvSpPr>
           <p:nvPr/>
-        </p:nvPicPr>
-        <p:blipFill>
-          <a:blip r:embed="rId2"/>
-          <a:srcRect/>
-          <a:stretch>
-            <a:fillRect/>
-          </a:stretch>
-        </p:blipFill>
-        <p:spPr bwMode="auto">
-          <a:xfrm>
-            <a:off x="2246887" y="1954405"/>
-            <a:ext cx="4077714" cy="2617596"/>
+        </p:nvSpPr>
+        <p:spPr>
+          <a:xfrm>
+            <a:off x="609600" y="2133600"/>
+            <a:ext cx="8153400" cy="2286000"/>
           </a:xfrm>
           <a:prstGeom prst="rect">
             <a:avLst/>
           </a:prstGeom>
-          <a:noFill/>
-          <a:ln w="9525">
-            <a:noFill/>
-            <a:miter lim="800000"/>
-            <a:headEnd/>
-            <a:tailEnd/>
-          </a:ln>
-        </p:spPr>
-      </p:pic>
+        </p:spPr>
+        <p:txBody>
+          <a:bodyPr vert="horz" anchor="ctr">
+            <a:normAutofit/>
+          </a:bodyPr>
+          <a:lstStyle/>
+          <a:p>
+            <a:r>
+              <a:rPr lang="en-IN" sz="1600" dirty="0" smtClean="0"/>
+              <a:t>  </a:t>
+            </a:r>
+          </a:p>
+          <a:p>
+            <a:pPr>
+              <a:buFont typeface="Wingdings" pitchFamily="2" charset="2"/>
+              <a:buChar char="Ø"/>
+            </a:pPr>
+            <a:endParaRPr lang="en-IN" sz="1600" dirty="0" smtClean="0"/>
+          </a:p>
+          <a:p>
+            <a:pPr lvl="0">
+              <a:buFont typeface="Wingdings" pitchFamily="2" charset="2"/>
+              <a:buChar char="Ø"/>
+            </a:pPr>
+            <a:r>
+              <a:rPr lang="en-IN" sz="1600" dirty="0" smtClean="0"/>
+              <a:t> </a:t>
+            </a:r>
+            <a:r>
+              <a:rPr lang="en-IN" sz="1600" dirty="0" smtClean="0"/>
+              <a:t>Identify </a:t>
+            </a:r>
+            <a:r>
+              <a:rPr lang="en-IN" sz="1600" dirty="0" smtClean="0"/>
+              <a:t>future growth and shape of the </a:t>
+            </a:r>
+            <a:r>
+              <a:rPr lang="en-IN" sz="1600" dirty="0" smtClean="0"/>
+              <a:t>business</a:t>
+            </a:r>
+          </a:p>
+          <a:p>
+            <a:pPr lvl="0">
+              <a:buFont typeface="Wingdings" pitchFamily="2" charset="2"/>
+              <a:buChar char="Ø"/>
+            </a:pPr>
+            <a:endParaRPr lang="en-IN" sz="1600" dirty="0" smtClean="0"/>
+          </a:p>
+          <a:p>
+            <a:pPr lvl="0">
+              <a:buFont typeface="Wingdings" pitchFamily="2" charset="2"/>
+              <a:buChar char="Ø"/>
+            </a:pPr>
+            <a:r>
+              <a:rPr lang="en-IN" sz="1600" dirty="0" smtClean="0"/>
+              <a:t> Identify </a:t>
+            </a:r>
+            <a:r>
+              <a:rPr lang="en-IN" sz="1600" dirty="0" smtClean="0"/>
+              <a:t>other best provinces to expand the </a:t>
+            </a:r>
+            <a:r>
+              <a:rPr lang="en-IN" sz="1600" dirty="0" smtClean="0"/>
+              <a:t>business</a:t>
+            </a:r>
+          </a:p>
+          <a:p>
+            <a:pPr lvl="0">
+              <a:buFont typeface="Wingdings" pitchFamily="2" charset="2"/>
+              <a:buChar char="Ø"/>
+            </a:pPr>
+            <a:endParaRPr lang="en-IN" sz="1600" dirty="0" smtClean="0"/>
+          </a:p>
+          <a:p>
+            <a:pPr lvl="0">
+              <a:buFont typeface="Wingdings" pitchFamily="2" charset="2"/>
+              <a:buChar char="Ø"/>
+            </a:pPr>
+            <a:r>
+              <a:rPr lang="en-IN" sz="1600" dirty="0" smtClean="0"/>
+              <a:t> </a:t>
+            </a:r>
+            <a:r>
+              <a:rPr lang="en-IN" sz="1600" dirty="0" smtClean="0"/>
+              <a:t>Analyse the Revenue for next 5 years and factors that affects revenue</a:t>
+            </a:r>
+            <a:endParaRPr lang="en-IN" sz="1600" dirty="0" smtClean="0"/>
+          </a:p>
+          <a:p>
+            <a:pPr lvl="0">
+              <a:buFont typeface="Wingdings" pitchFamily="2" charset="2"/>
+              <a:buChar char="Ø"/>
+            </a:pPr>
+            <a:endParaRPr lang="en-IN" sz="1600" dirty="0" smtClean="0"/>
+          </a:p>
+          <a:p>
+            <a:pPr lvl="0">
+              <a:buFont typeface="Wingdings" pitchFamily="2" charset="2"/>
+              <a:buChar char="Ø"/>
+            </a:pPr>
+            <a:endParaRPr lang="en-IN" sz="1600" dirty="0" smtClean="0"/>
+          </a:p>
+          <a:p>
+            <a:pPr lvl="0"/>
+            <a:endParaRPr lang="en-IN" sz="1600" dirty="0" smtClean="0"/>
+          </a:p>
+          <a:p>
+            <a:endParaRPr lang="en-IN" sz="1600" dirty="0" smtClean="0"/>
+          </a:p>
+          <a:p>
+            <a:pPr>
+              <a:buFont typeface="Wingdings" pitchFamily="2" charset="2"/>
+              <a:buChar char="Ø"/>
+            </a:pPr>
+            <a:endParaRPr lang="en-IN" sz="1600" dirty="0" smtClean="0"/>
+          </a:p>
+          <a:p>
+            <a:pPr>
+              <a:buFont typeface="Wingdings" pitchFamily="2" charset="2"/>
+              <a:buChar char="Ø"/>
+            </a:pPr>
+            <a:endParaRPr kumimoji="0" lang="en-IN" sz="1600" b="0" i="0" u="none" strike="noStrike" kern="1200" cap="none" spc="0" normalizeH="0" baseline="0" noProof="0" dirty="0" smtClean="0">
+              <a:ln>
+                <a:noFill/>
+              </a:ln>
+              <a:solidFill>
+                <a:schemeClr val="tx1"/>
+              </a:solidFill>
+              <a:effectLst/>
+              <a:uLnTx/>
+              <a:uFillTx/>
+              <a:latin typeface="+mj-lt"/>
+              <a:ea typeface="+mj-ea"/>
+              <a:cs typeface="+mj-cs"/>
+            </a:endParaRPr>
+          </a:p>
+          <a:p>
+            <a:pPr>
+              <a:buFont typeface="Wingdings" pitchFamily="2" charset="2"/>
+              <a:buChar char="Ø"/>
+            </a:pPr>
+            <a:endParaRPr kumimoji="0" lang="en-IN" sz="1600" b="0" i="0" u="none" strike="noStrike" kern="1200" cap="none" spc="0" normalizeH="0" baseline="0" noProof="0" dirty="0">
+              <a:ln>
+                <a:noFill/>
+              </a:ln>
+              <a:solidFill>
+                <a:schemeClr val="tx1"/>
+              </a:solidFill>
+              <a:effectLst/>
+              <a:uLnTx/>
+              <a:uFillTx/>
+              <a:latin typeface="+mj-lt"/>
+              <a:ea typeface="+mj-ea"/>
+              <a:cs typeface="+mj-cs"/>
+            </a:endParaRPr>
+          </a:p>
+        </p:txBody>
+      </p:sp>
+      <p:sp>
+        <p:nvSpPr>
+          <p:cNvPr id="5" name="Title 1"/>
+          <p:cNvSpPr txBox="1">
+            <a:spLocks/>
+          </p:cNvSpPr>
+          <p:nvPr/>
+        </p:nvSpPr>
+        <p:spPr>
+          <a:xfrm>
+            <a:off x="457200" y="1447800"/>
+            <a:ext cx="8153400" cy="990600"/>
+          </a:xfrm>
+          <a:prstGeom prst="rect">
+            <a:avLst/>
+          </a:prstGeom>
+        </p:spPr>
+        <p:txBody>
+          <a:bodyPr vert="horz" anchor="ctr">
+            <a:noAutofit/>
+          </a:bodyPr>
+          <a:lstStyle/>
+          <a:p>
+            <a:endParaRPr lang="en-IN" dirty="0"/>
+          </a:p>
+        </p:txBody>
+      </p:sp>
+    </p:spTree>
+  </p:cSld>
+  <p:clrMapOvr>
+    <a:masterClrMapping/>
+  </p:clrMapOvr>
+  <p:timing>
+    <p:tnLst>
+      <p:par>
+        <p:cTn id="1" dur="indefinite" restart="never" nodeType="tmRoot"/>
+      </p:par>
+    </p:tnLst>
+  </p:timing>
+</p:sld>
+</file>
+
+<file path=ppt/slides/slide17.xml><?xml version="1.0" encoding="utf-8"?>
+<p:sld xmlns:a="http://schemas.openxmlformats.org/drawingml/2006/main" xmlns:r="http://schemas.openxmlformats.org/officeDocument/2006/relationships" xmlns:p="http://schemas.openxmlformats.org/presentationml/2006/main">
+  <p:cSld>
+    <p:spTree>
+      <p:nvGrpSpPr>
+        <p:cNvPr id="1" name=""/>
+        <p:cNvGrpSpPr/>
+        <p:nvPr/>
+      </p:nvGrpSpPr>
+      <p:grpSpPr>
+        <a:xfrm>
+          <a:off x="0" y="0"/>
+          <a:ext cx="0" cy="0"/>
+          <a:chOff x="0" y="0"/>
+          <a:chExt cx="0" cy="0"/>
+        </a:xfrm>
+      </p:grpSpPr>
+      <p:sp>
+        <p:nvSpPr>
+          <p:cNvPr id="2" name="Title 1"/>
+          <p:cNvSpPr>
+            <a:spLocks noGrp="1"/>
+          </p:cNvSpPr>
+          <p:nvPr>
+            <p:ph type="title"/>
+          </p:nvPr>
+        </p:nvSpPr>
+        <p:spPr/>
+        <p:txBody>
+          <a:bodyPr/>
+          <a:lstStyle/>
+          <a:p>
+            <a:r>
+              <a:rPr lang="en-IN" dirty="0" smtClean="0">
+                <a:solidFill>
+                  <a:schemeClr val="tx1"/>
+                </a:solidFill>
+              </a:rPr>
+              <a:t>Conclusion</a:t>
+            </a:r>
+            <a:endParaRPr lang="en-IN" dirty="0">
+              <a:solidFill>
+                <a:schemeClr val="tx1"/>
+              </a:solidFill>
+            </a:endParaRPr>
+          </a:p>
+        </p:txBody>
+      </p:sp>
+      <p:sp>
+        <p:nvSpPr>
+          <p:cNvPr id="4" name="Title 1"/>
+          <p:cNvSpPr txBox="1">
+            <a:spLocks/>
+          </p:cNvSpPr>
+          <p:nvPr/>
+        </p:nvSpPr>
+        <p:spPr>
+          <a:xfrm>
+            <a:off x="609600" y="2362200"/>
+            <a:ext cx="8153400" cy="2286000"/>
+          </a:xfrm>
+          <a:prstGeom prst="rect">
+            <a:avLst/>
+          </a:prstGeom>
+        </p:spPr>
+        <p:txBody>
+          <a:bodyPr vert="horz" anchor="ctr">
+            <a:normAutofit/>
+          </a:bodyPr>
+          <a:lstStyle/>
+          <a:p>
+            <a:r>
+              <a:rPr lang="en-IN" sz="1600" dirty="0" smtClean="0"/>
+              <a:t>  </a:t>
+            </a:r>
+          </a:p>
+          <a:p>
+            <a:pPr>
+              <a:buFont typeface="Wingdings" pitchFamily="2" charset="2"/>
+              <a:buChar char="Ø"/>
+            </a:pPr>
+            <a:endParaRPr lang="en-IN" sz="1600" dirty="0" smtClean="0"/>
+          </a:p>
+          <a:p>
+            <a:pPr lvl="0">
+              <a:buFont typeface="Wingdings" pitchFamily="2" charset="2"/>
+              <a:buChar char="Ø"/>
+            </a:pPr>
+            <a:r>
+              <a:rPr lang="en-IN" sz="1600" dirty="0" smtClean="0"/>
+              <a:t>  </a:t>
+            </a:r>
+            <a:r>
+              <a:rPr lang="en-IN" sz="1600" dirty="0" smtClean="0"/>
+              <a:t>W</a:t>
+            </a:r>
+            <a:r>
+              <a:rPr lang="en-IN" sz="1600" dirty="0" smtClean="0"/>
+              <a:t>e </a:t>
+            </a:r>
+            <a:r>
+              <a:rPr lang="en-IN" sz="1600" dirty="0" smtClean="0"/>
+              <a:t>have identified the best strategic </a:t>
+            </a:r>
+            <a:r>
+              <a:rPr lang="en-IN" sz="1600" dirty="0" smtClean="0"/>
+              <a:t>location to start the business</a:t>
+            </a:r>
+          </a:p>
+          <a:p>
+            <a:pPr lvl="0"/>
+            <a:endParaRPr lang="en-IN" sz="1600" dirty="0" smtClean="0"/>
+          </a:p>
+          <a:p>
+            <a:pPr lvl="0">
+              <a:buFont typeface="Wingdings" pitchFamily="2" charset="2"/>
+              <a:buChar char="Ø"/>
+            </a:pPr>
+            <a:r>
+              <a:rPr lang="en-IN" sz="1600" dirty="0" smtClean="0"/>
+              <a:t>  </a:t>
+            </a:r>
+            <a:r>
+              <a:rPr lang="en-IN" sz="1600" dirty="0" smtClean="0"/>
+              <a:t>Have identified bes</a:t>
+            </a:r>
+            <a:r>
+              <a:rPr lang="en-IN" sz="1600" dirty="0" smtClean="0"/>
+              <a:t>t profitable business in Toronto</a:t>
+            </a:r>
+          </a:p>
+          <a:p>
+            <a:pPr lvl="0">
+              <a:buFont typeface="Wingdings" pitchFamily="2" charset="2"/>
+              <a:buChar char="Ø"/>
+            </a:pPr>
+            <a:endParaRPr lang="en-IN" sz="1600" dirty="0" smtClean="0"/>
+          </a:p>
+          <a:p>
+            <a:pPr lvl="0">
+              <a:buFont typeface="Wingdings" pitchFamily="2" charset="2"/>
+              <a:buChar char="Ø"/>
+            </a:pPr>
+            <a:r>
+              <a:rPr lang="en-IN" sz="1600" dirty="0" smtClean="0"/>
+              <a:t>  We </a:t>
+            </a:r>
+            <a:r>
+              <a:rPr lang="en-IN" sz="1600" dirty="0" smtClean="0"/>
+              <a:t>have seen the similarities and dissimilarities of Toronto and Manhattan</a:t>
+            </a:r>
+            <a:endParaRPr lang="en-IN" sz="1600" dirty="0" smtClean="0"/>
+          </a:p>
+          <a:p>
+            <a:pPr lvl="0">
+              <a:buFont typeface="Wingdings" pitchFamily="2" charset="2"/>
+              <a:buChar char="Ø"/>
+            </a:pPr>
+            <a:endParaRPr lang="en-IN" sz="1600" dirty="0" smtClean="0"/>
+          </a:p>
+          <a:p>
+            <a:pPr lvl="0">
+              <a:buFont typeface="Wingdings" pitchFamily="2" charset="2"/>
+              <a:buChar char="Ø"/>
+            </a:pPr>
+            <a:r>
+              <a:rPr lang="en-IN" sz="1600" dirty="0" smtClean="0"/>
+              <a:t>  Identified </a:t>
+            </a:r>
+            <a:r>
+              <a:rPr lang="en-IN" sz="1600" dirty="0" smtClean="0"/>
+              <a:t>future scope of analysis for our assured </a:t>
+            </a:r>
+            <a:r>
+              <a:rPr lang="en-IN" sz="1600" dirty="0" smtClean="0"/>
+              <a:t>success in dynamic environment</a:t>
+            </a:r>
+            <a:endParaRPr lang="en-IN" sz="1600" dirty="0" smtClean="0"/>
+          </a:p>
+          <a:p>
+            <a:pPr lvl="0">
+              <a:buFont typeface="Wingdings" pitchFamily="2" charset="2"/>
+              <a:buChar char="Ø"/>
+            </a:pPr>
+            <a:endParaRPr lang="en-IN" sz="1600" dirty="0" smtClean="0"/>
+          </a:p>
+          <a:p>
+            <a:pPr lvl="0">
+              <a:buFont typeface="Wingdings" pitchFamily="2" charset="2"/>
+              <a:buChar char="Ø"/>
+            </a:pPr>
+            <a:endParaRPr lang="en-IN" sz="1600" dirty="0" smtClean="0"/>
+          </a:p>
+          <a:p>
+            <a:pPr lvl="0"/>
+            <a:endParaRPr lang="en-IN" sz="1600" dirty="0" smtClean="0"/>
+          </a:p>
+          <a:p>
+            <a:endParaRPr lang="en-IN" sz="1600" dirty="0" smtClean="0"/>
+          </a:p>
+          <a:p>
+            <a:pPr>
+              <a:buFont typeface="Wingdings" pitchFamily="2" charset="2"/>
+              <a:buChar char="Ø"/>
+            </a:pPr>
+            <a:endParaRPr lang="en-IN" sz="1600" dirty="0" smtClean="0"/>
+          </a:p>
+          <a:p>
+            <a:pPr>
+              <a:buFont typeface="Wingdings" pitchFamily="2" charset="2"/>
+              <a:buChar char="Ø"/>
+            </a:pPr>
+            <a:endParaRPr kumimoji="0" lang="en-IN" sz="1600" b="0" i="0" u="none" strike="noStrike" kern="1200" cap="none" spc="0" normalizeH="0" baseline="0" noProof="0" dirty="0" smtClean="0">
+              <a:ln>
+                <a:noFill/>
+              </a:ln>
+              <a:solidFill>
+                <a:schemeClr val="tx1"/>
+              </a:solidFill>
+              <a:effectLst/>
+              <a:uLnTx/>
+              <a:uFillTx/>
+              <a:latin typeface="+mj-lt"/>
+              <a:ea typeface="+mj-ea"/>
+              <a:cs typeface="+mj-cs"/>
+            </a:endParaRPr>
+          </a:p>
+          <a:p>
+            <a:pPr>
+              <a:buFont typeface="Wingdings" pitchFamily="2" charset="2"/>
+              <a:buChar char="Ø"/>
+            </a:pPr>
+            <a:endParaRPr kumimoji="0" lang="en-IN" sz="1600" b="0" i="0" u="none" strike="noStrike" kern="1200" cap="none" spc="0" normalizeH="0" baseline="0" noProof="0" dirty="0">
+              <a:ln>
+                <a:noFill/>
+              </a:ln>
+              <a:solidFill>
+                <a:schemeClr val="tx1"/>
+              </a:solidFill>
+              <a:effectLst/>
+              <a:uLnTx/>
+              <a:uFillTx/>
+              <a:latin typeface="+mj-lt"/>
+              <a:ea typeface="+mj-ea"/>
+              <a:cs typeface="+mj-cs"/>
+            </a:endParaRPr>
+          </a:p>
+        </p:txBody>
+      </p:sp>
+      <p:sp>
+        <p:nvSpPr>
+          <p:cNvPr id="5" name="Title 1"/>
+          <p:cNvSpPr txBox="1">
+            <a:spLocks/>
+          </p:cNvSpPr>
+          <p:nvPr/>
+        </p:nvSpPr>
+        <p:spPr>
+          <a:xfrm>
+            <a:off x="457200" y="1447800"/>
+            <a:ext cx="8153400" cy="990600"/>
+          </a:xfrm>
+          <a:prstGeom prst="rect">
+            <a:avLst/>
+          </a:prstGeom>
+        </p:spPr>
+        <p:txBody>
+          <a:bodyPr vert="horz" anchor="ctr">
+            <a:noAutofit/>
+          </a:bodyPr>
+          <a:lstStyle/>
+          <a:p>
+            <a:endParaRPr lang="en-IN" dirty="0"/>
+          </a:p>
+        </p:txBody>
+      </p:sp>
     </p:spTree>
   </p:cSld>
   <p:clrMapOvr>
@@ -6053,37 +6567,13 @@
             </a:r>
             <a:r>
               <a:rPr lang="en-IN" sz="1600" dirty="0" smtClean="0"/>
-              <a:t> </a:t>
-            </a:r>
-            <a:r>
-              <a:rPr lang="en-IN" sz="1600" dirty="0" smtClean="0"/>
-              <a:t>Group is New York based Multi-industry </a:t>
-            </a:r>
-            <a:r>
-              <a:rPr lang="en-IN" sz="1600" dirty="0" smtClean="0"/>
-              <a:t>company </a:t>
-            </a:r>
-            <a:r>
-              <a:rPr lang="en-IN" sz="1600" dirty="0" smtClean="0"/>
-              <a:t>want to start their </a:t>
-            </a:r>
-            <a:r>
-              <a:rPr lang="en-IN" sz="1600" dirty="0" smtClean="0"/>
-              <a:t>new</a:t>
-            </a:r>
-          </a:p>
-          <a:p>
-            <a:r>
-              <a:rPr lang="en-IN" sz="1600" dirty="0" smtClean="0"/>
-              <a:t>venture </a:t>
-            </a:r>
-            <a:r>
-              <a:rPr lang="en-IN" sz="1600" dirty="0" smtClean="0"/>
-              <a:t>in Toronto</a:t>
-            </a:r>
-            <a:r>
-              <a:rPr lang="en-IN" sz="1600" dirty="0" smtClean="0"/>
-              <a:t> </a:t>
+              <a:t> Group is New York based Multi-industry company want to start their new</a:t>
+            </a:r>
+          </a:p>
+          <a:p>
+            <a:r>
+              <a:rPr lang="en-IN" sz="1600" dirty="0" smtClean="0"/>
+              <a:t>venture in Toronto </a:t>
             </a:r>
           </a:p>
           <a:p>
@@ -6107,69 +6597,44 @@
               <a:rPr lang="en-IN" sz="1600" dirty="0" smtClean="0"/>
               <a:t> wants to find what is the best business to start in Toronto </a:t>
             </a:r>
-            <a:endParaRPr lang="en-IN" sz="1600" dirty="0" smtClean="0"/>
-          </a:p>
-          <a:p>
-            <a:endParaRPr lang="en-IN" sz="1600" dirty="0" smtClean="0"/>
-          </a:p>
-          <a:p>
-            <a:r>
-              <a:rPr lang="en-IN" sz="1600" dirty="0" smtClean="0"/>
-              <a:t>This data </a:t>
-            </a:r>
-            <a:r>
-              <a:rPr lang="en-IN" sz="1600" dirty="0" smtClean="0"/>
-              <a:t>science project </a:t>
-            </a:r>
-            <a:r>
-              <a:rPr lang="en-IN" sz="1600" dirty="0" smtClean="0"/>
-              <a:t>will deals with below problem.</a:t>
-            </a:r>
-          </a:p>
-          <a:p>
-            <a:endParaRPr lang="en-IN" sz="1600" dirty="0" smtClean="0"/>
+          </a:p>
+          <a:p>
+            <a:endParaRPr lang="en-IN" sz="1600" dirty="0" smtClean="0"/>
+          </a:p>
+          <a:p>
+            <a:r>
+              <a:rPr lang="en-IN" sz="1600" dirty="0" smtClean="0"/>
+              <a:t>This data science project will deals with below problem.</a:t>
+            </a:r>
+          </a:p>
+          <a:p>
+            <a:endParaRPr lang="en-IN" sz="1600" dirty="0" smtClean="0"/>
+          </a:p>
+          <a:p>
+            <a:r>
+              <a:rPr lang="en-IN" sz="1600" dirty="0" smtClean="0"/>
+              <a:t>       1. What is the best business to start in Toronto</a:t>
+            </a:r>
           </a:p>
           <a:p>
             <a:r>
               <a:rPr lang="en-IN" sz="1600" dirty="0" smtClean="0"/>
               <a:t> </a:t>
             </a:r>
-            <a:r>
-              <a:rPr lang="en-IN" sz="1600" dirty="0" smtClean="0"/>
-              <a:t>      </a:t>
-            </a:r>
-            <a:r>
-              <a:rPr lang="en-IN" sz="1600" dirty="0" smtClean="0"/>
-              <a:t>1. What is the best business to start in Toronto</a:t>
-            </a:r>
-          </a:p>
-          <a:p>
-            <a:r>
-              <a:rPr lang="en-IN" sz="1600" dirty="0" smtClean="0"/>
-              <a:t> </a:t>
-            </a:r>
-          </a:p>
-          <a:p>
-            <a:r>
-              <a:rPr lang="en-IN" sz="1600" dirty="0" smtClean="0"/>
-              <a:t>       </a:t>
-            </a:r>
-            <a:r>
-              <a:rPr lang="en-IN" sz="1600" dirty="0" smtClean="0"/>
-              <a:t>2. How the community will receive it</a:t>
-            </a:r>
-          </a:p>
-          <a:p>
-            <a:endParaRPr lang="en-IN" sz="1600" dirty="0" smtClean="0"/>
-          </a:p>
-          <a:p>
-            <a:r>
-              <a:rPr lang="en-IN" sz="1600" dirty="0" smtClean="0"/>
-              <a:t>       </a:t>
-            </a:r>
-            <a:r>
-              <a:rPr lang="en-IN" sz="1600" dirty="0" smtClean="0"/>
-              <a:t>3. what is the best location to start the branch office.</a:t>
+          </a:p>
+          <a:p>
+            <a:r>
+              <a:rPr lang="en-IN" sz="1600" dirty="0" smtClean="0"/>
+              <a:t>       2. How the community will receive it</a:t>
+            </a:r>
+          </a:p>
+          <a:p>
+            <a:endParaRPr lang="en-IN" sz="1600" dirty="0" smtClean="0"/>
+          </a:p>
+          <a:p>
+            <a:r>
+              <a:rPr lang="en-IN" sz="1600" dirty="0" smtClean="0"/>
+              <a:t>       3. what is the best location to start the branch office.</a:t>
             </a:r>
           </a:p>
           <a:p>
@@ -6303,49 +6768,25 @@
           <a:p>
             <a:r>
               <a:rPr lang="en-IN" sz="1600" dirty="0" smtClean="0"/>
-              <a:t>1</a:t>
-            </a:r>
-            <a:r>
-              <a:rPr lang="en-IN" sz="1600" dirty="0" smtClean="0"/>
-              <a:t>. Identify the most common places people </a:t>
-            </a:r>
-            <a:r>
-              <a:rPr lang="en-IN" sz="1600" dirty="0" smtClean="0"/>
-              <a:t>gather</a:t>
-            </a:r>
-          </a:p>
-          <a:p>
-            <a:endParaRPr lang="en-IN" sz="1600" dirty="0" smtClean="0"/>
-          </a:p>
-          <a:p>
-            <a:r>
-              <a:rPr lang="en-IN" sz="1600" dirty="0" smtClean="0"/>
-              <a:t>2</a:t>
-            </a:r>
-            <a:r>
-              <a:rPr lang="en-IN" sz="1600" dirty="0" smtClean="0"/>
-              <a:t>. Identify the most popular business on New York missing in </a:t>
-            </a:r>
-            <a:r>
-              <a:rPr lang="en-IN" sz="1600" dirty="0" smtClean="0"/>
-              <a:t>Toronto</a:t>
-            </a:r>
-          </a:p>
-          <a:p>
-            <a:endParaRPr lang="en-IN" sz="1600" dirty="0" smtClean="0"/>
-          </a:p>
-          <a:p>
-            <a:r>
-              <a:rPr lang="en-IN" sz="1600" dirty="0" smtClean="0"/>
-              <a:t>3</a:t>
-            </a:r>
-            <a:r>
-              <a:rPr lang="en-IN" sz="1600" dirty="0" smtClean="0"/>
-              <a:t>. Identify the best place to start the business around centre of city of </a:t>
-            </a:r>
-            <a:r>
-              <a:rPr lang="en-IN" sz="1600" dirty="0" smtClean="0"/>
-              <a:t>Toronto</a:t>
+              <a:t>1. Identify the most common places people gather</a:t>
+            </a:r>
+          </a:p>
+          <a:p>
+            <a:endParaRPr lang="en-IN" sz="1600" dirty="0" smtClean="0"/>
+          </a:p>
+          <a:p>
+            <a:r>
+              <a:rPr lang="en-IN" sz="1600" dirty="0" smtClean="0"/>
+              <a:t>2. Identify the most popular business on New York missing in Toronto</a:t>
+            </a:r>
+          </a:p>
+          <a:p>
+            <a:endParaRPr lang="en-IN" sz="1600" dirty="0" smtClean="0"/>
+          </a:p>
+          <a:p>
+            <a:r>
+              <a:rPr lang="en-IN" sz="1600" dirty="0" smtClean="0"/>
+              <a:t>3. Identify the best place to start the business around centre of city of Toronto</a:t>
             </a:r>
           </a:p>
           <a:p>
@@ -6367,36 +6808,16 @@
           <a:p>
             <a:r>
               <a:rPr lang="en-IN" sz="1600" dirty="0" smtClean="0"/>
-              <a:t>4</a:t>
-            </a:r>
-            <a:r>
-              <a:rPr lang="en-IN" sz="1600" dirty="0" smtClean="0"/>
-              <a:t>. Compare New York and Toronto demographics </a:t>
-            </a:r>
-            <a:r>
-              <a:rPr lang="en-IN" sz="1600" dirty="0" smtClean="0"/>
-              <a:t>data</a:t>
-            </a:r>
-          </a:p>
-          <a:p>
-            <a:endParaRPr lang="en-IN" sz="1600" dirty="0" smtClean="0"/>
-          </a:p>
-          <a:p>
-            <a:r>
-              <a:rPr lang="en-IN" sz="1600" dirty="0" smtClean="0"/>
-              <a:t>5. Identify </a:t>
-            </a:r>
-            <a:r>
-              <a:rPr lang="en-IN" sz="1600" dirty="0" smtClean="0"/>
-              <a:t>will the Toronto </a:t>
-            </a:r>
-            <a:r>
-              <a:rPr lang="en-IN" sz="1600" dirty="0" smtClean="0"/>
-              <a:t>community accept </a:t>
-            </a:r>
-            <a:r>
-              <a:rPr lang="en-IN" sz="1600" dirty="0" smtClean="0"/>
-              <a:t>the selected business</a:t>
+              <a:t>4. Compare New York and Toronto demographics data</a:t>
+            </a:r>
+          </a:p>
+          <a:p>
+            <a:endParaRPr lang="en-IN" sz="1600" dirty="0" smtClean="0"/>
+          </a:p>
+          <a:p>
+            <a:r>
+              <a:rPr lang="en-IN" sz="1600" dirty="0" smtClean="0"/>
+              <a:t>5. Identify will the Toronto community accept the selected business</a:t>
             </a:r>
             <a:endParaRPr kumimoji="0" lang="en-IN" sz="1600" b="0" i="0" u="none" strike="noStrike" kern="1200" cap="none" spc="0" normalizeH="0" baseline="0" noProof="0" dirty="0">
               <a:ln>
@@ -6507,11 +6928,7 @@
             </a:pPr>
             <a:r>
               <a:rPr lang="en-IN" sz="1600" dirty="0" smtClean="0"/>
-              <a:t> </a:t>
-            </a:r>
-            <a:r>
-              <a:rPr lang="en-IN" sz="1600" dirty="0" smtClean="0"/>
-              <a:t> Foursquare – To select Borough, Neighbourhood and geo location data</a:t>
+              <a:t>  Foursquare – To select Borough, Neighbourhood and geo location data</a:t>
             </a:r>
           </a:p>
           <a:p>
@@ -6524,24 +6941,16 @@
             </a:pPr>
             <a:r>
               <a:rPr lang="en-IN" sz="1600" dirty="0" smtClean="0"/>
-              <a:t> </a:t>
-            </a:r>
-            <a:r>
-              <a:rPr lang="en-IN" sz="1600" dirty="0" smtClean="0"/>
-              <a:t> Demographics – 2016-2017 census data</a:t>
-            </a:r>
-          </a:p>
-          <a:p>
-            <a:endParaRPr lang="en-IN" sz="1600" dirty="0" smtClean="0"/>
-          </a:p>
-          <a:p>
-            <a:r>
-              <a:rPr lang="en-IN" sz="1600" dirty="0" smtClean="0"/>
-              <a:t> </a:t>
-            </a:r>
-            <a:r>
-              <a:rPr lang="en-IN" sz="1600" dirty="0" smtClean="0"/>
-              <a:t>                              Age &amp; Population data will be used</a:t>
+              <a:t>  Demographics – 2016-2017 census data</a:t>
+            </a:r>
+          </a:p>
+          <a:p>
+            <a:endParaRPr lang="en-IN" sz="1600" dirty="0" smtClean="0"/>
+          </a:p>
+          <a:p>
+            <a:r>
+              <a:rPr lang="en-IN" sz="1600" dirty="0" smtClean="0"/>
+              <a:t>                               Age &amp; Population data will be used</a:t>
             </a:r>
           </a:p>
           <a:p>
@@ -6554,11 +6963,7 @@
             </a:pPr>
             <a:r>
               <a:rPr lang="en-IN" sz="1600" dirty="0" smtClean="0"/>
-              <a:t> </a:t>
-            </a:r>
-            <a:r>
-              <a:rPr lang="en-IN" sz="1600" dirty="0" smtClean="0"/>
-              <a:t> Most common venues of Toronto and </a:t>
+              <a:t>  Most common venues of Toronto and </a:t>
             </a:r>
             <a:r>
               <a:rPr lang="en-IN" sz="1600" dirty="0" err="1" smtClean="0"/>
@@ -6589,11 +6994,7 @@
             </a:pPr>
             <a:r>
               <a:rPr lang="en-IN" sz="1600" dirty="0" smtClean="0"/>
-              <a:t> </a:t>
-            </a:r>
-            <a:r>
-              <a:rPr lang="en-IN" sz="1600" dirty="0" smtClean="0"/>
-              <a:t> Distance between city centre to each venues</a:t>
+              <a:t>  Distance between city centre to each venues</a:t>
             </a:r>
             <a:endParaRPr kumimoji="0" lang="en-IN" sz="1600" b="0" i="0" u="none" strike="noStrike" kern="1200" cap="none" spc="0" normalizeH="0" baseline="0" noProof="0" dirty="0">
               <a:ln>
@@ -6707,15 +7108,7 @@
           <a:p>
             <a:r>
               <a:rPr lang="en-IN" sz="1600" dirty="0" smtClean="0"/>
-              <a:t>We have </a:t>
-            </a:r>
-            <a:r>
-              <a:rPr lang="en-IN" sz="1600" dirty="0" smtClean="0"/>
-              <a:t>to overcome processing of few messy data to determine the appropriate format</a:t>
-            </a:r>
-            <a:r>
-              <a:rPr lang="en-IN" sz="1600" dirty="0" smtClean="0"/>
-              <a:t>  </a:t>
+              <a:t>We have to overcome processing of few messy data to determine the appropriate format  </a:t>
             </a:r>
           </a:p>
           <a:p>
@@ -6732,19 +7125,7 @@
             </a:pPr>
             <a:r>
               <a:rPr lang="en-IN" sz="1600" dirty="0" smtClean="0"/>
-              <a:t> </a:t>
-            </a:r>
-            <a:r>
-              <a:rPr lang="en-IN" sz="1600" dirty="0" smtClean="0"/>
-              <a:t>Have </a:t>
-            </a:r>
-            <a:r>
-              <a:rPr lang="en-IN" sz="1600" dirty="0" smtClean="0"/>
-              <a:t>grouped age and racial data </a:t>
-            </a:r>
-            <a:r>
-              <a:rPr lang="en-IN" sz="1600" dirty="0" smtClean="0"/>
-              <a:t>into abstract categories for effective analysis</a:t>
+              <a:t> Have grouped age and racial data into abstract categories for effective analysis</a:t>
             </a:r>
           </a:p>
           <a:p>
@@ -6886,11 +7267,7 @@
             </a:pPr>
             <a:r>
               <a:rPr lang="en-IN" sz="1600" dirty="0" smtClean="0"/>
-              <a:t> </a:t>
-            </a:r>
-            <a:r>
-              <a:rPr lang="en-IN" sz="1600" dirty="0" smtClean="0"/>
-              <a:t> latitude-longitude details</a:t>
+              <a:t>  latitude-longitude details</a:t>
             </a:r>
           </a:p>
           <a:p>
@@ -6907,19 +7284,7 @@
             </a:pPr>
             <a:r>
               <a:rPr lang="en-IN" sz="1600" dirty="0" smtClean="0"/>
-              <a:t> </a:t>
-            </a:r>
-            <a:r>
-              <a:rPr lang="en-IN" sz="1600" dirty="0" smtClean="0"/>
-              <a:t> various </a:t>
-            </a:r>
-            <a:r>
-              <a:rPr lang="en-IN" sz="1600" dirty="0" smtClean="0"/>
-              <a:t>venue </a:t>
-            </a:r>
-            <a:r>
-              <a:rPr lang="en-IN" sz="1600" dirty="0" smtClean="0"/>
-              <a:t>categories</a:t>
+              <a:t>  various venue categories</a:t>
             </a:r>
           </a:p>
           <a:p>
@@ -6936,19 +7301,7 @@
             </a:pPr>
             <a:r>
               <a:rPr lang="en-IN" sz="1600" dirty="0" smtClean="0"/>
-              <a:t> </a:t>
-            </a:r>
-            <a:r>
-              <a:rPr lang="en-IN" sz="1600" dirty="0" smtClean="0"/>
-              <a:t> most </a:t>
-            </a:r>
-            <a:r>
-              <a:rPr lang="en-IN" sz="1600" dirty="0" smtClean="0"/>
-              <a:t>common </a:t>
-            </a:r>
-            <a:r>
-              <a:rPr lang="en-IN" sz="1600" dirty="0" smtClean="0"/>
-              <a:t>places</a:t>
+              <a:t>  most common places</a:t>
             </a:r>
           </a:p>
           <a:p>
@@ -6965,15 +7318,7 @@
             </a:pPr>
             <a:r>
               <a:rPr lang="en-IN" sz="1600" dirty="0" smtClean="0"/>
-              <a:t> </a:t>
-            </a:r>
-            <a:r>
-              <a:rPr lang="en-IN" sz="1600" dirty="0" smtClean="0"/>
-              <a:t> distance </a:t>
-            </a:r>
-            <a:r>
-              <a:rPr lang="en-IN" sz="1600" dirty="0" smtClean="0"/>
-              <a:t>between the venues and city centre</a:t>
+              <a:t>  distance between the venues and city centre</a:t>
             </a:r>
             <a:endParaRPr kumimoji="0" lang="en-IN" sz="1600" b="0" i="0" u="none" strike="noStrike" kern="1200" cap="none" spc="0" normalizeH="0" baseline="0" noProof="0" dirty="0">
               <a:ln>
@@ -7114,11 +7459,7 @@
             </a:pPr>
             <a:r>
               <a:rPr lang="en-IN" sz="1600" dirty="0" smtClean="0"/>
-              <a:t>As </a:t>
-            </a:r>
-            <a:r>
-              <a:rPr lang="en-IN" sz="1600" dirty="0" smtClean="0"/>
-              <a:t>both the cities are financial Hub we can’t compare based on the shape or region.</a:t>
+              <a:t>As both the cities are financial Hub we can’t compare based on the shape or region.</a:t>
             </a:r>
           </a:p>
           <a:p>
@@ -7208,11 +7549,7 @@
             </a:r>
             <a:r>
               <a:rPr lang="en-IN" b="1" dirty="0" smtClean="0"/>
-              <a:t> </a:t>
-            </a:r>
-            <a:r>
-              <a:rPr lang="en-IN" b="1" dirty="0" smtClean="0"/>
-              <a:t>New York neighbourhoods </a:t>
+              <a:t> New York neighbourhoods </a:t>
             </a:r>
             <a:endParaRPr kumimoji="0" lang="en-IN" b="0" i="0" u="none" strike="noStrike" kern="1200" cap="none" spc="0" normalizeH="0" baseline="0" noProof="0" dirty="0">
               <a:ln>
@@ -7366,13 +7703,8 @@
             </a:pPr>
             <a:r>
               <a:rPr lang="en-IN" sz="1600" dirty="0" smtClean="0"/>
-              <a:t>It is important </a:t>
-            </a:r>
-            <a:r>
-              <a:rPr lang="en-IN" sz="1600" dirty="0" smtClean="0"/>
-              <a:t>to understand the businesses, various industries, interested areas, gatherings in both New York and Toronto </a:t>
-            </a:r>
-            <a:endParaRPr lang="en-IN" sz="1600" dirty="0" smtClean="0"/>
+              <a:t>It is important to understand the businesses, various industries, interested areas, gatherings in both New York and Toronto </a:t>
+            </a:r>
           </a:p>
           <a:p>
             <a:pPr>
@@ -7388,15 +7720,7 @@
             </a:pPr>
             <a:r>
               <a:rPr lang="en-IN" sz="1600" dirty="0" smtClean="0"/>
-              <a:t> Let </a:t>
-            </a:r>
-            <a:r>
-              <a:rPr lang="en-IN" sz="1600" dirty="0" smtClean="0"/>
-              <a:t>we collect the top 30 most common venues </a:t>
-            </a:r>
-            <a:r>
-              <a:rPr lang="en-IN" sz="1600" dirty="0" smtClean="0"/>
-              <a:t>of both cities</a:t>
+              <a:t> Let we collect the top 30 most common venues of both cities</a:t>
             </a:r>
           </a:p>
           <a:p>
@@ -7415,7 +7739,6 @@
               <a:rPr lang="en-IN" sz="1600" dirty="0" smtClean="0"/>
               <a:t>Have Identified the list of business popular in Manhattan and missing in Toronto</a:t>
             </a:r>
-            <a:endParaRPr lang="en-IN" sz="1600" dirty="0" smtClean="0"/>
           </a:p>
           <a:p>
             <a:pPr>
@@ -7504,11 +7827,7 @@
             </a:r>
             <a:r>
               <a:rPr lang="en-IN" b="1" dirty="0" smtClean="0"/>
-              <a:t> Manhattan </a:t>
-            </a:r>
-            <a:r>
-              <a:rPr lang="en-IN" b="1" dirty="0" smtClean="0"/>
-              <a:t>Businesses</a:t>
+              <a:t> Manhattan Businesses</a:t>
             </a:r>
             <a:endParaRPr kumimoji="0" lang="en-IN" b="0" i="0" u="none" strike="noStrike" kern="1200" cap="none" spc="0" normalizeH="0" baseline="0" noProof="0" dirty="0">
               <a:ln>
